--- a/docs/diagrams/ConsistencyCheckSequenceDiagram.pptx
+++ b/docs/diagrams/ConsistencyCheckSequenceDiagram.pptx
@@ -6069,47 +6069,6 @@
             <a:r>
               <a:rPr lang="en-US" sz="1000" dirty="0"/>
               <a:t> throws an exception in this case </a:t>
-            </a:r>
-          </a:p>
-        </p:txBody>
-      </p:sp>
-      <p:sp>
-        <p:nvSpPr>
-          <p:cNvPr id="155" name="TextBox 154">
-            <a:extLst>
-              <a:ext uri="{FF2B5EF4-FFF2-40B4-BE49-F238E27FC236}">
-                <a16:creationId xmlns:a16="http://schemas.microsoft.com/office/drawing/2014/main" id="{82C46533-6EB8-4953-BE46-36D686C78B4E}"/>
-              </a:ext>
-            </a:extLst>
-          </p:cNvPr>
-          <p:cNvSpPr txBox="1"/>
-          <p:nvPr/>
-        </p:nvSpPr>
-        <p:spPr>
-          <a:xfrm>
-            <a:off x="4075235" y="3205550"/>
-            <a:ext cx="572964" cy="276999"/>
-          </a:xfrm>
-          <a:prstGeom prst="rect">
-            <a:avLst/>
-          </a:prstGeom>
-          <a:noFill/>
-        </p:spPr>
-        <p:txBody>
-          <a:bodyPr wrap="square" rtlCol="0">
-            <a:spAutoFit/>
-          </a:bodyPr>
-          <a:lstStyle/>
-          <a:p>
-            <a:r>
-              <a:rPr lang="en-US" sz="1200" b="1" dirty="0">
-                <a:solidFill>
-                  <a:srgbClr val="7030A0"/>
-                </a:solidFill>
-                <a:cs typeface="Calibri"/>
-                <a:sym typeface="Calibri"/>
-              </a:rPr>
-              <a:t>alt</a:t>
             </a:r>
           </a:p>
         </p:txBody>

--- a/docs/diagrams/ConsistencyCheckSequenceDiagram.pptx
+++ b/docs/diagrams/ConsistencyCheckSequenceDiagram.pptx
@@ -208,7 +208,7 @@
           <a:p>
             <a:fld id="{F5CC4B3F-88C1-4FFA-B1B6-F41C21DC6924}" type="datetimeFigureOut">
               <a:rPr lang="en-US" smtClean="0"/>
-              <a:t>11/11/2018</a:t>
+              <a:t>11/12/2018</a:t>
             </a:fld>
             <a:endParaRPr lang="en-US"/>
           </a:p>
@@ -738,7 +738,7 @@
           <a:p>
             <a:fld id="{78C97017-6FC3-485B-9764-EAC9E56C1D49}" type="datetimeFigureOut">
               <a:rPr lang="en-US" smtClean="0"/>
-              <a:t>11/11/2018</a:t>
+              <a:t>11/12/2018</a:t>
             </a:fld>
             <a:endParaRPr lang="en-US"/>
           </a:p>
@@ -906,7 +906,7 @@
           <a:p>
             <a:fld id="{78C97017-6FC3-485B-9764-EAC9E56C1D49}" type="datetimeFigureOut">
               <a:rPr lang="en-US" smtClean="0"/>
-              <a:t>11/11/2018</a:t>
+              <a:t>11/12/2018</a:t>
             </a:fld>
             <a:endParaRPr lang="en-US"/>
           </a:p>
@@ -1084,7 +1084,7 @@
           <a:p>
             <a:fld id="{78C97017-6FC3-485B-9764-EAC9E56C1D49}" type="datetimeFigureOut">
               <a:rPr lang="en-US" smtClean="0"/>
-              <a:t>11/11/2018</a:t>
+              <a:t>11/12/2018</a:t>
             </a:fld>
             <a:endParaRPr lang="en-US"/>
           </a:p>
@@ -1252,7 +1252,7 @@
           <a:p>
             <a:fld id="{78C97017-6FC3-485B-9764-EAC9E56C1D49}" type="datetimeFigureOut">
               <a:rPr lang="en-US" smtClean="0"/>
-              <a:t>11/11/2018</a:t>
+              <a:t>11/12/2018</a:t>
             </a:fld>
             <a:endParaRPr lang="en-US"/>
           </a:p>
@@ -1497,7 +1497,7 @@
           <a:p>
             <a:fld id="{78C97017-6FC3-485B-9764-EAC9E56C1D49}" type="datetimeFigureOut">
               <a:rPr lang="en-US" smtClean="0"/>
-              <a:t>11/11/2018</a:t>
+              <a:t>11/12/2018</a:t>
             </a:fld>
             <a:endParaRPr lang="en-US"/>
           </a:p>
@@ -1782,7 +1782,7 @@
           <a:p>
             <a:fld id="{78C97017-6FC3-485B-9764-EAC9E56C1D49}" type="datetimeFigureOut">
               <a:rPr lang="en-US" smtClean="0"/>
-              <a:t>11/11/2018</a:t>
+              <a:t>11/12/2018</a:t>
             </a:fld>
             <a:endParaRPr lang="en-US"/>
           </a:p>
@@ -2201,7 +2201,7 @@
           <a:p>
             <a:fld id="{78C97017-6FC3-485B-9764-EAC9E56C1D49}" type="datetimeFigureOut">
               <a:rPr lang="en-US" smtClean="0"/>
-              <a:t>11/11/2018</a:t>
+              <a:t>11/12/2018</a:t>
             </a:fld>
             <a:endParaRPr lang="en-US"/>
           </a:p>
@@ -2318,7 +2318,7 @@
           <a:p>
             <a:fld id="{78C97017-6FC3-485B-9764-EAC9E56C1D49}" type="datetimeFigureOut">
               <a:rPr lang="en-US" smtClean="0"/>
-              <a:t>11/11/2018</a:t>
+              <a:t>11/12/2018</a:t>
             </a:fld>
             <a:endParaRPr lang="en-US"/>
           </a:p>
@@ -2413,7 +2413,7 @@
           <a:p>
             <a:fld id="{78C97017-6FC3-485B-9764-EAC9E56C1D49}" type="datetimeFigureOut">
               <a:rPr lang="en-US" smtClean="0"/>
-              <a:t>11/11/2018</a:t>
+              <a:t>11/12/2018</a:t>
             </a:fld>
             <a:endParaRPr lang="en-US"/>
           </a:p>
@@ -2688,7 +2688,7 @@
           <a:p>
             <a:fld id="{78C97017-6FC3-485B-9764-EAC9E56C1D49}" type="datetimeFigureOut">
               <a:rPr lang="en-US" smtClean="0"/>
-              <a:t>11/11/2018</a:t>
+              <a:t>11/12/2018</a:t>
             </a:fld>
             <a:endParaRPr lang="en-US"/>
           </a:p>
@@ -2940,7 +2940,7 @@
           <a:p>
             <a:fld id="{78C97017-6FC3-485B-9764-EAC9E56C1D49}" type="datetimeFigureOut">
               <a:rPr lang="en-US" smtClean="0"/>
-              <a:t>11/11/2018</a:t>
+              <a:t>11/12/2018</a:t>
             </a:fld>
             <a:endParaRPr lang="en-US"/>
           </a:p>
@@ -3151,7 +3151,7 @@
           <a:p>
             <a:fld id="{78C97017-6FC3-485B-9764-EAC9E56C1D49}" type="datetimeFigureOut">
               <a:rPr lang="en-US" smtClean="0"/>
-              <a:t>11/11/2018</a:t>
+              <a:t>11/12/2018</a:t>
             </a:fld>
             <a:endParaRPr lang="en-US"/>
           </a:p>
@@ -4975,13 +4975,14 @@
           </p:cNvPr>
           <p:cNvCxnSpPr>
             <a:cxnSpLocks/>
+            <a:stCxn id="94" idx="2"/>
           </p:cNvCxnSpPr>
           <p:nvPr/>
         </p:nvCxnSpPr>
         <p:spPr>
           <a:xfrm flipH="1">
-            <a:off x="4947532" y="2900804"/>
-            <a:ext cx="1429332" cy="18473"/>
+            <a:off x="4947532" y="2919277"/>
+            <a:ext cx="1546782" cy="0"/>
           </a:xfrm>
           <a:prstGeom prst="straightConnector1">
             <a:avLst/>
